--- a/Executive Summary/GDA_Case_Study_Executive_Summary.pptx
+++ b/Executive Summary/GDA_Case_Study_Executive_Summary.pptx
@@ -3497,10 +3497,10 @@
       </p:sp>
       <p:pic>
         <p:nvPicPr>
-          <p:cNvPr id="8" name="Picture 7">
-            <a:extLst>
-              <a:ext uri="{FF2B5EF4-FFF2-40B4-BE49-F238E27FC236}">
-                <a16:creationId xmlns:a16="http://schemas.microsoft.com/office/drawing/2014/main" id="{87246666-8383-100B-93B7-832CF384D3B7}"/>
+          <p:cNvPr id="10" name="Picture 9">
+            <a:extLst>
+              <a:ext uri="{FF2B5EF4-FFF2-40B4-BE49-F238E27FC236}">
+                <a16:creationId xmlns:a16="http://schemas.microsoft.com/office/drawing/2014/main" id="{9F0ACC0F-33F3-624C-C55E-99DA88B8A8F4}"/>
               </a:ext>
             </a:extLst>
           </p:cNvPr>
@@ -3517,8 +3517,8 @@
         </p:blipFill>
         <p:spPr>
           <a:xfrm>
-            <a:off x="52875" y="1852928"/>
-            <a:ext cx="6344816" cy="4532012"/>
+            <a:off x="6027577" y="1859159"/>
+            <a:ext cx="6164423" cy="4476750"/>
           </a:xfrm>
           <a:prstGeom prst="rect">
             <a:avLst/>
@@ -3527,10 +3527,10 @@
       </p:pic>
       <p:pic>
         <p:nvPicPr>
-          <p:cNvPr id="5" name="Picture 4">
-            <a:extLst>
-              <a:ext uri="{FF2B5EF4-FFF2-40B4-BE49-F238E27FC236}">
-                <a16:creationId xmlns:a16="http://schemas.microsoft.com/office/drawing/2014/main" id="{EA9CE1E1-060A-27E7-13B5-41264D3243BA}"/>
+          <p:cNvPr id="12" name="Picture 11">
+            <a:extLst>
+              <a:ext uri="{FF2B5EF4-FFF2-40B4-BE49-F238E27FC236}">
+                <a16:creationId xmlns:a16="http://schemas.microsoft.com/office/drawing/2014/main" id="{C18734A4-4C67-BA5F-8AB8-8E10F0443DAA}"/>
               </a:ext>
             </a:extLst>
           </p:cNvPr>
@@ -3547,8 +3547,8 @@
         </p:blipFill>
         <p:spPr>
           <a:xfrm>
-            <a:off x="6397691" y="1802316"/>
-            <a:ext cx="5679268" cy="4633236"/>
+            <a:off x="0" y="1859159"/>
+            <a:ext cx="6096000" cy="4476750"/>
           </a:xfrm>
           <a:prstGeom prst="rect">
             <a:avLst/>
